--- a/Later/Java Anonymous inner class Using class/Java Anonymous inner class Using class.pptx
+++ b/Later/Java Anonymous inner class Using class/Java Anonymous inner class Using class.pptx
@@ -4059,7 +4059,27 @@
           <a:p>
             <a:r>
               <a:rPr lang="en-US" sz="1200" dirty="0"/>
-              <a:t>A class that have no name is known as anonymous inner class in java. It should be used if you have to override method of class or interface. </a:t>
+              <a:t>A class that have no name is known as anonymous inner class in java. It should be used if you have to override method </a:t>
+            </a:r>
+            <a:r>
+              <a:rPr lang="en-US" sz="1200"/>
+              <a:t>of </a:t>
+            </a:r>
+            <a:r>
+              <a:rPr lang="en-US" sz="1200" smtClean="0"/>
+              <a:t>class</a:t>
+            </a:r>
+            <a:r>
+              <a:rPr lang="en-US" sz="1200"/>
+              <a:t>(may be abstract or concrete)</a:t>
+            </a:r>
+            <a:r>
+              <a:rPr lang="en-US" sz="1200" smtClean="0"/>
+              <a:t> </a:t>
+            </a:r>
+            <a:r>
+              <a:rPr lang="en-US" sz="1200" dirty="0"/>
+              <a:t>or interface. </a:t>
             </a:r>
           </a:p>
         </p:txBody>
@@ -4529,11 +4549,6 @@
               </a:rPr>
               <a:t>};</a:t>
             </a:r>
-            <a:endParaRPr lang="en-US" sz="1200" dirty="0">
-              <a:solidFill>
-                <a:srgbClr val="002060"/>
-              </a:solidFill>
-            </a:endParaRPr>
           </a:p>
         </p:txBody>
       </p:sp>
@@ -4577,7 +4592,23 @@
             </a:pPr>
             <a:r>
               <a:rPr lang="en-US" sz="1200" dirty="0"/>
-              <a:t>A class is created but its name is decided by the compiler which extends the Person class and provides the implementation of the eat() method</a:t>
+              <a:t>A class is created but its name is decided by the compiler which extends the Person class and provides the implementation of </a:t>
+            </a:r>
+            <a:r>
+              <a:rPr lang="en-US" sz="1200"/>
+              <a:t>the </a:t>
+            </a:r>
+            <a:r>
+              <a:rPr lang="en-US" sz="1200" smtClean="0"/>
+              <a:t>walk</a:t>
+            </a:r>
+            <a:r>
+              <a:rPr lang="en-US" sz="1200" smtClean="0"/>
+              <a:t>() </a:t>
+            </a:r>
+            <a:r>
+              <a:rPr lang="en-US" sz="1200" dirty="0"/>
+              <a:t>method</a:t>
             </a:r>
             <a:r>
               <a:rPr lang="en-US" sz="1200" dirty="0" smtClean="0"/>
